--- a/endsem/end_sem_RL.pptx
+++ b/endsem/end_sem_RL.pptx
@@ -11633,7 +11633,7 @@
                           <a:latin typeface="Cambria" panose="02040503050406030204" charset="0"/>
                           <a:cs typeface="Cambria" panose="02040503050406030204" charset="0"/>
                         </a:rPr>
-                        <a:t>VSCode</a:t>
+                        <a:t>Antigravity</a:t>
                       </a:r>
                       <a:endParaRPr lang="en-US" altLang="en-US" sz="2000">
                         <a:latin typeface="Cambria" panose="02040503050406030204" charset="0"/>
@@ -11655,7 +11655,7 @@
                           <a:latin typeface="Cambria" panose="02040503050406030204" charset="0"/>
                           <a:cs typeface="Cambria" panose="02040503050406030204" charset="0"/>
                         </a:rPr>
-                        <a:t>1.106</a:t>
+                        <a:t>A1</a:t>
                       </a:r>
                       <a:endParaRPr lang="en-US" altLang="en-US" sz="2000">
                         <a:latin typeface="Cambria" panose="02040503050406030204" charset="0"/>
@@ -23279,7 +23279,7 @@
         </p:nvGraphicFramePr>
         <p:xfrm>
           <a:off x="241935" y="850265"/>
-          <a:ext cx="11707495" cy="5742940"/>
+          <a:ext cx="11707770" cy="5742940"/>
         </p:xfrm>
         <a:graphic>
           <a:graphicData uri="http://schemas.openxmlformats.org/drawingml/2006/table">
